--- a/docs/lessons/2.1-mth391-reproducible-workflows/r-code-chunks.pptx
+++ b/docs/lessons/2.1-mth391-reproducible-workflows/r-code-chunks.pptx
@@ -244,7 +244,7 @@
           <a:p>
             <a:fld id="{35C30768-2C94-4C45-9378-4C6D85F31E7E}" type="datetimeFigureOut">
               <a:rPr lang="en-US" smtClean="0"/>
-              <a:t>1/21/2025</a:t>
+              <a:t>1/23/2025</a:t>
             </a:fld>
             <a:endParaRPr lang="en-US"/>
           </a:p>
@@ -414,7 +414,7 @@
           <a:p>
             <a:fld id="{35C30768-2C94-4C45-9378-4C6D85F31E7E}" type="datetimeFigureOut">
               <a:rPr lang="en-US" smtClean="0"/>
-              <a:t>1/21/2025</a:t>
+              <a:t>1/23/2025</a:t>
             </a:fld>
             <a:endParaRPr lang="en-US"/>
           </a:p>
@@ -594,7 +594,7 @@
           <a:p>
             <a:fld id="{35C30768-2C94-4C45-9378-4C6D85F31E7E}" type="datetimeFigureOut">
               <a:rPr lang="en-US" smtClean="0"/>
-              <a:t>1/21/2025</a:t>
+              <a:t>1/23/2025</a:t>
             </a:fld>
             <a:endParaRPr lang="en-US"/>
           </a:p>
@@ -764,7 +764,7 @@
           <a:p>
             <a:fld id="{35C30768-2C94-4C45-9378-4C6D85F31E7E}" type="datetimeFigureOut">
               <a:rPr lang="en-US" smtClean="0"/>
-              <a:t>1/21/2025</a:t>
+              <a:t>1/23/2025</a:t>
             </a:fld>
             <a:endParaRPr lang="en-US"/>
           </a:p>
@@ -1008,7 +1008,7 @@
           <a:p>
             <a:fld id="{35C30768-2C94-4C45-9378-4C6D85F31E7E}" type="datetimeFigureOut">
               <a:rPr lang="en-US" smtClean="0"/>
-              <a:t>1/21/2025</a:t>
+              <a:t>1/23/2025</a:t>
             </a:fld>
             <a:endParaRPr lang="en-US"/>
           </a:p>
@@ -1240,7 +1240,7 @@
           <a:p>
             <a:fld id="{35C30768-2C94-4C45-9378-4C6D85F31E7E}" type="datetimeFigureOut">
               <a:rPr lang="en-US" smtClean="0"/>
-              <a:t>1/21/2025</a:t>
+              <a:t>1/23/2025</a:t>
             </a:fld>
             <a:endParaRPr lang="en-US"/>
           </a:p>
@@ -1607,7 +1607,7 @@
           <a:p>
             <a:fld id="{35C30768-2C94-4C45-9378-4C6D85F31E7E}" type="datetimeFigureOut">
               <a:rPr lang="en-US" smtClean="0"/>
-              <a:t>1/21/2025</a:t>
+              <a:t>1/23/2025</a:t>
             </a:fld>
             <a:endParaRPr lang="en-US"/>
           </a:p>
@@ -1725,7 +1725,7 @@
           <a:p>
             <a:fld id="{35C30768-2C94-4C45-9378-4C6D85F31E7E}" type="datetimeFigureOut">
               <a:rPr lang="en-US" smtClean="0"/>
-              <a:t>1/21/2025</a:t>
+              <a:t>1/23/2025</a:t>
             </a:fld>
             <a:endParaRPr lang="en-US"/>
           </a:p>
@@ -1820,7 +1820,7 @@
           <a:p>
             <a:fld id="{35C30768-2C94-4C45-9378-4C6D85F31E7E}" type="datetimeFigureOut">
               <a:rPr lang="en-US" smtClean="0"/>
-              <a:t>1/21/2025</a:t>
+              <a:t>1/23/2025</a:t>
             </a:fld>
             <a:endParaRPr lang="en-US"/>
           </a:p>
@@ -2097,7 +2097,7 @@
           <a:p>
             <a:fld id="{35C30768-2C94-4C45-9378-4C6D85F31E7E}" type="datetimeFigureOut">
               <a:rPr lang="en-US" smtClean="0"/>
-              <a:t>1/21/2025</a:t>
+              <a:t>1/23/2025</a:t>
             </a:fld>
             <a:endParaRPr lang="en-US"/>
           </a:p>
@@ -2354,7 +2354,7 @@
           <a:p>
             <a:fld id="{35C30768-2C94-4C45-9378-4C6D85F31E7E}" type="datetimeFigureOut">
               <a:rPr lang="en-US" smtClean="0"/>
-              <a:t>1/21/2025</a:t>
+              <a:t>1/23/2025</a:t>
             </a:fld>
             <a:endParaRPr lang="en-US"/>
           </a:p>
@@ -2567,7 +2567,7 @@
           <a:p>
             <a:fld id="{35C30768-2C94-4C45-9378-4C6D85F31E7E}" type="datetimeFigureOut">
               <a:rPr lang="en-US" smtClean="0"/>
-              <a:t>1/21/2025</a:t>
+              <a:t>1/23/2025</a:t>
             </a:fld>
             <a:endParaRPr lang="en-US"/>
           </a:p>
@@ -3022,8 +3022,8 @@
         </p:nvSpPr>
         <p:spPr>
           <a:xfrm>
-            <a:off x="6471821" y="319597"/>
-            <a:ext cx="550416" cy="290687"/>
+            <a:off x="6489577" y="319597"/>
+            <a:ext cx="532660" cy="290687"/>
           </a:xfrm>
           <a:prstGeom prst="rect">
             <a:avLst/>
@@ -3072,8 +3072,8 @@
         </p:nvSpPr>
         <p:spPr>
           <a:xfrm>
-            <a:off x="4496539" y="5657671"/>
-            <a:ext cx="4500979" cy="1200329"/>
+            <a:off x="3218156" y="6027003"/>
+            <a:ext cx="5925844" cy="830997"/>
           </a:xfrm>
           <a:prstGeom prst="rect">
             <a:avLst/>
@@ -3119,53 +3119,6 @@
           </a:p>
         </p:txBody>
       </p:sp>
-      <p:cxnSp>
-        <p:nvCxnSpPr>
-          <p:cNvPr id="11" name="Straight Arrow Connector 10">
-            <a:extLst>
-              <a:ext uri="{FF2B5EF4-FFF2-40B4-BE49-F238E27FC236}">
-                <a16:creationId xmlns:a16="http://schemas.microsoft.com/office/drawing/2014/main" id="{2F592463-6468-445A-B41A-BC34281EE1A7}"/>
-              </a:ext>
-            </a:extLst>
-          </p:cNvPr>
-          <p:cNvCxnSpPr>
-            <a:cxnSpLocks/>
-            <a:stCxn id="8" idx="2"/>
-            <a:endCxn id="10" idx="0"/>
-          </p:cNvCxnSpPr>
-          <p:nvPr/>
-        </p:nvCxnSpPr>
-        <p:spPr>
-          <a:xfrm>
-            <a:off x="6747029" y="610284"/>
-            <a:ext cx="0" cy="5047387"/>
-          </a:xfrm>
-          <a:prstGeom prst="straightConnector1">
-            <a:avLst/>
-          </a:prstGeom>
-          <a:ln w="57150">
-            <a:solidFill>
-              <a:srgbClr val="00B050"/>
-            </a:solidFill>
-            <a:headEnd type="triangle" w="med" len="med"/>
-            <a:tailEnd type="none" w="med" len="med"/>
-          </a:ln>
-        </p:spPr>
-        <p:style>
-          <a:lnRef idx="2">
-            <a:schemeClr val="accent1"/>
-          </a:lnRef>
-          <a:fillRef idx="0">
-            <a:schemeClr val="accent1"/>
-          </a:fillRef>
-          <a:effectRef idx="1">
-            <a:schemeClr val="accent1"/>
-          </a:effectRef>
-          <a:fontRef idx="minor">
-            <a:schemeClr val="tx1"/>
-          </a:fontRef>
-        </p:style>
-      </p:cxnSp>
       <p:cxnSp>
         <p:nvCxnSpPr>
           <p:cNvPr id="27" name="Connector: Elbow 26">
@@ -3184,12 +3137,12 @@
         </p:nvCxnSpPr>
         <p:spPr>
           <a:xfrm rot="10800000">
-            <a:off x="1068145" y="4197176"/>
-            <a:ext cx="3428395" cy="2060661"/>
+            <a:off x="1068144" y="4197176"/>
+            <a:ext cx="2150012" cy="2245327"/>
           </a:xfrm>
           <a:prstGeom prst="bentConnector3">
             <a:avLst>
-              <a:gd name="adj1" fmla="val 30320"/>
+              <a:gd name="adj1" fmla="val 22335"/>
             </a:avLst>
           </a:prstGeom>
           <a:ln w="57150">
@@ -3264,6 +3217,52 @@
           </a:p>
         </p:txBody>
       </p:sp>
+      <p:cxnSp>
+        <p:nvCxnSpPr>
+          <p:cNvPr id="14" name="Connector: Elbow 13">
+            <a:extLst>
+              <a:ext uri="{FF2B5EF4-FFF2-40B4-BE49-F238E27FC236}">
+                <a16:creationId xmlns:a16="http://schemas.microsoft.com/office/drawing/2014/main" id="{E3781171-64C6-4D94-953C-BBDCC9E9E49E}"/>
+              </a:ext>
+            </a:extLst>
+          </p:cNvPr>
+          <p:cNvCxnSpPr>
+            <a:cxnSpLocks/>
+            <a:stCxn id="10" idx="0"/>
+            <a:endCxn id="8" idx="1"/>
+          </p:cNvCxnSpPr>
+          <p:nvPr/>
+        </p:nvCxnSpPr>
+        <p:spPr>
+          <a:xfrm rot="5400000" flipH="1" flipV="1">
+            <a:off x="3554296" y="3091723"/>
+            <a:ext cx="5562062" cy="308499"/>
+          </a:xfrm>
+          <a:prstGeom prst="bentConnector2">
+            <a:avLst/>
+          </a:prstGeom>
+          <a:ln w="57150">
+            <a:solidFill>
+              <a:srgbClr val="00B050"/>
+            </a:solidFill>
+            <a:tailEnd type="triangle"/>
+          </a:ln>
+        </p:spPr>
+        <p:style>
+          <a:lnRef idx="1">
+            <a:schemeClr val="accent1"/>
+          </a:lnRef>
+          <a:fillRef idx="0">
+            <a:schemeClr val="accent1"/>
+          </a:fillRef>
+          <a:effectRef idx="0">
+            <a:schemeClr val="accent1"/>
+          </a:effectRef>
+          <a:fontRef idx="minor">
+            <a:schemeClr val="tx1"/>
+          </a:fontRef>
+        </p:style>
+      </p:cxnSp>
     </p:spTree>
     <p:extLst>
       <p:ext uri="{BB962C8B-B14F-4D97-AF65-F5344CB8AC3E}">
